--- a/3d-asset/documents/3D Model.pptx
+++ b/3d-asset/documents/3D Model.pptx
@@ -5,10 +5,10 @@
     <p:sldMasterId id="2147483648" r:id="rId5"/>
   </p:sldMasterIdLst>
   <p:notesMasterIdLst>
-    <p:notesMasterId r:id="rId18"/>
+    <p:notesMasterId r:id="rId17"/>
   </p:notesMasterIdLst>
   <p:handoutMasterIdLst>
-    <p:handoutMasterId r:id="rId19"/>
+    <p:handoutMasterId r:id="rId18"/>
   </p:handoutMasterIdLst>
   <p:sldIdLst>
     <p:sldId id="347" r:id="rId6"/>
@@ -17,12 +17,11 @@
     <p:sldId id="424" r:id="rId9"/>
     <p:sldId id="421" r:id="rId10"/>
     <p:sldId id="425" r:id="rId11"/>
-    <p:sldId id="426" r:id="rId12"/>
+    <p:sldId id="431" r:id="rId12"/>
     <p:sldId id="427" r:id="rId13"/>
     <p:sldId id="428" r:id="rId14"/>
     <p:sldId id="429" r:id="rId15"/>
     <p:sldId id="430" r:id="rId16"/>
-    <p:sldId id="431" r:id="rId17"/>
   </p:sldIdLst>
   <p:sldSz cx="12192000" cy="6858000"/>
   <p:notesSz cx="6858000" cy="9144000"/>
@@ -135,8 +134,7 @@
 <file path=ppt/revisionInfo.xml><?xml version="1.0" encoding="utf-8"?>
 <p1510:revInfo xmlns:a="http://schemas.openxmlformats.org/drawingml/2006/main" xmlns:r="http://schemas.openxmlformats.org/officeDocument/2006/relationships" xmlns:p1510="http://schemas.microsoft.com/office/powerpoint/2015/10/main">
   <p1510:revLst>
-    <p1510:client id="{1D77BD94-CC86-4D9A-93ED-E4A5DA170611}" v="15" dt="2021-09-14T11:17:01.789"/>
-    <p1510:client id="{F39DD900-3848-42C3-8E89-7B2B89607A33}" v="21" dt="2021-09-13T14:46:00.771"/>
+    <p1510:client id="{1D77BD94-CC86-4D9A-93ED-E4A5DA170611}" v="23" dt="2021-09-15T08:25:25.110"/>
   </p1510:revLst>
 </p1510:revInfo>
 </file>
@@ -145,25 +143,276 @@
 <pc:chgInfo xmlns:a="http://schemas.openxmlformats.org/drawingml/2006/main" xmlns:r="http://schemas.openxmlformats.org/officeDocument/2006/relationships" xmlns:ac="http://schemas.microsoft.com/office/drawing/2013/main/command" xmlns:pc="http://schemas.microsoft.com/office/powerpoint/2013/main/command">
   <pc:docChgLst>
     <pc:chgData name="Niek Freriks" userId="8e3f36c4-8f4a-453d-a316-bd9c4889273a" providerId="ADAL" clId="{1D77BD94-CC86-4D9A-93ED-E4A5DA170611}"/>
-    <pc:docChg chg="undo custSel addSld modSld">
-      <pc:chgData name="Niek Freriks" userId="8e3f36c4-8f4a-453d-a316-bd9c4889273a" providerId="ADAL" clId="{1D77BD94-CC86-4D9A-93ED-E4A5DA170611}" dt="2021-09-14T11:24:57.359" v="243" actId="14100"/>
+    <pc:docChg chg="undo custSel addSld delSld modSld sldOrd">
+      <pc:chgData name="Niek Freriks" userId="8e3f36c4-8f4a-453d-a316-bd9c4889273a" providerId="ADAL" clId="{1D77BD94-CC86-4D9A-93ED-E4A5DA170611}" dt="2021-09-15T08:27:08.657" v="589" actId="1076"/>
       <pc:docMkLst>
         <pc:docMk/>
       </pc:docMkLst>
       <pc:sldChg chg="modSp mod">
-        <pc:chgData name="Niek Freriks" userId="8e3f36c4-8f4a-453d-a316-bd9c4889273a" providerId="ADAL" clId="{1D77BD94-CC86-4D9A-93ED-E4A5DA170611}" dt="2021-09-14T11:01:11.865" v="30" actId="1076"/>
+        <pc:chgData name="Niek Freriks" userId="8e3f36c4-8f4a-453d-a316-bd9c4889273a" providerId="ADAL" clId="{1D77BD94-CC86-4D9A-93ED-E4A5DA170611}" dt="2021-09-15T07:57:00.431" v="566" actId="20577"/>
+        <pc:sldMkLst>
+          <pc:docMk/>
+          <pc:sldMk cId="1101746979" sldId="347"/>
+        </pc:sldMkLst>
+        <pc:spChg chg="mod">
+          <ac:chgData name="Niek Freriks" userId="8e3f36c4-8f4a-453d-a316-bd9c4889273a" providerId="ADAL" clId="{1D77BD94-CC86-4D9A-93ED-E4A5DA170611}" dt="2021-09-15T07:57:00.431" v="566" actId="20577"/>
+          <ac:spMkLst>
+            <pc:docMk/>
+            <pc:sldMk cId="1101746979" sldId="347"/>
+            <ac:spMk id="5" creationId="{00000000-0000-0000-0000-000000000000}"/>
+          </ac:spMkLst>
+        </pc:spChg>
+      </pc:sldChg>
+      <pc:sldChg chg="modSp mod">
+        <pc:chgData name="Niek Freriks" userId="8e3f36c4-8f4a-453d-a316-bd9c4889273a" providerId="ADAL" clId="{1D77BD94-CC86-4D9A-93ED-E4A5DA170611}" dt="2021-09-15T07:49:59.040" v="245" actId="207"/>
+        <pc:sldMkLst>
+          <pc:docMk/>
+          <pc:sldMk cId="4287177407" sldId="423"/>
+        </pc:sldMkLst>
+        <pc:spChg chg="mod">
+          <ac:chgData name="Niek Freriks" userId="8e3f36c4-8f4a-453d-a316-bd9c4889273a" providerId="ADAL" clId="{1D77BD94-CC86-4D9A-93ED-E4A5DA170611}" dt="2021-09-15T07:49:59.040" v="245" actId="207"/>
+          <ac:spMkLst>
+            <pc:docMk/>
+            <pc:sldMk cId="4287177407" sldId="423"/>
+            <ac:spMk id="3" creationId="{6F75E92C-6ED4-4334-B0B7-17F3884DA2DE}"/>
+          </ac:spMkLst>
+        </pc:spChg>
+      </pc:sldChg>
+      <pc:sldChg chg="addSp delSp modSp mod">
+        <pc:chgData name="Niek Freriks" userId="8e3f36c4-8f4a-453d-a316-bd9c4889273a" providerId="ADAL" clId="{1D77BD94-CC86-4D9A-93ED-E4A5DA170611}" dt="2021-09-15T07:51:00.332" v="311" actId="207"/>
+        <pc:sldMkLst>
+          <pc:docMk/>
+          <pc:sldMk cId="4027168173" sldId="424"/>
+        </pc:sldMkLst>
+        <pc:spChg chg="add del mod">
+          <ac:chgData name="Niek Freriks" userId="8e3f36c4-8f4a-453d-a316-bd9c4889273a" providerId="ADAL" clId="{1D77BD94-CC86-4D9A-93ED-E4A5DA170611}" dt="2021-09-15T07:50:19.449" v="254"/>
+          <ac:spMkLst>
+            <pc:docMk/>
+            <pc:sldMk cId="4027168173" sldId="424"/>
+            <ac:spMk id="3" creationId="{168D9773-3A66-4A31-8A4D-1713ECBCA0FB}"/>
+          </ac:spMkLst>
+        </pc:spChg>
+        <pc:spChg chg="mod">
+          <ac:chgData name="Niek Freriks" userId="8e3f36c4-8f4a-453d-a316-bd9c4889273a" providerId="ADAL" clId="{1D77BD94-CC86-4D9A-93ED-E4A5DA170611}" dt="2021-09-15T07:51:00.332" v="311" actId="207"/>
+          <ac:spMkLst>
+            <pc:docMk/>
+            <pc:sldMk cId="4027168173" sldId="424"/>
+            <ac:spMk id="13" creationId="{190BB5FE-80B6-424A-A44C-E686DF6C06C7}"/>
+          </ac:spMkLst>
+        </pc:spChg>
+        <pc:spChg chg="mod">
+          <ac:chgData name="Niek Freriks" userId="8e3f36c4-8f4a-453d-a316-bd9c4889273a" providerId="ADAL" clId="{1D77BD94-CC86-4D9A-93ED-E4A5DA170611}" dt="2021-09-15T07:51:00.332" v="311" actId="207"/>
+          <ac:spMkLst>
+            <pc:docMk/>
+            <pc:sldMk cId="4027168173" sldId="424"/>
+            <ac:spMk id="14" creationId="{D582F502-12AA-4BDD-8626-25D358E66A42}"/>
+          </ac:spMkLst>
+        </pc:spChg>
+        <pc:spChg chg="del">
+          <ac:chgData name="Niek Freriks" userId="8e3f36c4-8f4a-453d-a316-bd9c4889273a" providerId="ADAL" clId="{1D77BD94-CC86-4D9A-93ED-E4A5DA170611}" dt="2021-09-15T07:50:24.721" v="255" actId="478"/>
+          <ac:spMkLst>
+            <pc:docMk/>
+            <pc:sldMk cId="4027168173" sldId="424"/>
+            <ac:spMk id="15" creationId="{FAD646D0-0B8D-4A3A-9C6E-17A26CB2D15B}"/>
+          </ac:spMkLst>
+        </pc:spChg>
+        <pc:spChg chg="add mod">
+          <ac:chgData name="Niek Freriks" userId="8e3f36c4-8f4a-453d-a316-bd9c4889273a" providerId="ADAL" clId="{1D77BD94-CC86-4D9A-93ED-E4A5DA170611}" dt="2021-09-15T07:50:46.548" v="306" actId="404"/>
+          <ac:spMkLst>
+            <pc:docMk/>
+            <pc:sldMk cId="4027168173" sldId="424"/>
+            <ac:spMk id="16" creationId="{177A15BC-94AD-4BF9-BF27-927F60B11002}"/>
+          </ac:spMkLst>
+        </pc:spChg>
+      </pc:sldChg>
+      <pc:sldChg chg="addSp delSp modSp mod">
+        <pc:chgData name="Niek Freriks" userId="8e3f36c4-8f4a-453d-a316-bd9c4889273a" providerId="ADAL" clId="{1D77BD94-CC86-4D9A-93ED-E4A5DA170611}" dt="2021-09-15T07:52:21.273" v="428" actId="20577"/>
+        <pc:sldMkLst>
+          <pc:docMk/>
+          <pc:sldMk cId="1825467708" sldId="425"/>
+        </pc:sldMkLst>
+        <pc:spChg chg="mod">
+          <ac:chgData name="Niek Freriks" userId="8e3f36c4-8f4a-453d-a316-bd9c4889273a" providerId="ADAL" clId="{1D77BD94-CC86-4D9A-93ED-E4A5DA170611}" dt="2021-09-15T07:51:37.856" v="327" actId="20577"/>
+          <ac:spMkLst>
+            <pc:docMk/>
+            <pc:sldMk cId="1825467708" sldId="425"/>
+            <ac:spMk id="4" creationId="{0529C74D-79D4-4C9B-A131-B5C560BCEF63}"/>
+          </ac:spMkLst>
+        </pc:spChg>
+        <pc:spChg chg="add mod">
+          <ac:chgData name="Niek Freriks" userId="8e3f36c4-8f4a-453d-a316-bd9c4889273a" providerId="ADAL" clId="{1D77BD94-CC86-4D9A-93ED-E4A5DA170611}" dt="2021-09-15T07:52:21.273" v="428" actId="20577"/>
+          <ac:spMkLst>
+            <pc:docMk/>
+            <pc:sldMk cId="1825467708" sldId="425"/>
+            <ac:spMk id="7" creationId="{80BA079E-D783-462E-AB3F-84C35D1E09BC}"/>
+          </ac:spMkLst>
+        </pc:spChg>
+        <pc:picChg chg="add mod">
+          <ac:chgData name="Niek Freriks" userId="8e3f36c4-8f4a-453d-a316-bd9c4889273a" providerId="ADAL" clId="{1D77BD94-CC86-4D9A-93ED-E4A5DA170611}" dt="2021-09-15T07:52:00.432" v="362" actId="1076"/>
+          <ac:picMkLst>
+            <pc:docMk/>
+            <pc:sldMk cId="1825467708" sldId="425"/>
+            <ac:picMk id="5" creationId="{047DC653-9CD6-44D9-AAA8-C9BE24249FE7}"/>
+          </ac:picMkLst>
+        </pc:picChg>
+        <pc:picChg chg="del">
+          <ac:chgData name="Niek Freriks" userId="8e3f36c4-8f4a-453d-a316-bd9c4889273a" providerId="ADAL" clId="{1D77BD94-CC86-4D9A-93ED-E4A5DA170611}" dt="2021-09-15T07:51:24.905" v="312" actId="478"/>
+          <ac:picMkLst>
+            <pc:docMk/>
+            <pc:sldMk cId="1825467708" sldId="425"/>
+            <ac:picMk id="16" creationId="{C1C9C601-EFF2-46AB-A3F9-553F34458E40}"/>
+          </ac:picMkLst>
+        </pc:picChg>
+      </pc:sldChg>
+      <pc:sldChg chg="addSp delSp modSp del mod">
+        <pc:chgData name="Niek Freriks" userId="8e3f36c4-8f4a-453d-a316-bd9c4889273a" providerId="ADAL" clId="{1D77BD94-CC86-4D9A-93ED-E4A5DA170611}" dt="2021-09-15T07:56:02.052" v="558" actId="47"/>
         <pc:sldMkLst>
           <pc:docMk/>
           <pc:sldMk cId="2774075182" sldId="426"/>
         </pc:sldMkLst>
         <pc:spChg chg="mod">
-          <ac:chgData name="Niek Freriks" userId="8e3f36c4-8f4a-453d-a316-bd9c4889273a" providerId="ADAL" clId="{1D77BD94-CC86-4D9A-93ED-E4A5DA170611}" dt="2021-09-14T11:01:11.865" v="30" actId="1076"/>
+          <ac:chgData name="Niek Freriks" userId="8e3f36c4-8f4a-453d-a316-bd9c4889273a" providerId="ADAL" clId="{1D77BD94-CC86-4D9A-93ED-E4A5DA170611}" dt="2021-09-15T07:54:48.471" v="556" actId="20577"/>
+          <ac:spMkLst>
+            <pc:docMk/>
+            <pc:sldMk cId="2774075182" sldId="426"/>
+            <ac:spMk id="4" creationId="{0529C74D-79D4-4C9B-A131-B5C560BCEF63}"/>
+          </ac:spMkLst>
+        </pc:spChg>
+        <pc:spChg chg="del mod">
+          <ac:chgData name="Niek Freriks" userId="8e3f36c4-8f4a-453d-a316-bd9c4889273a" providerId="ADAL" clId="{1D77BD94-CC86-4D9A-93ED-E4A5DA170611}" dt="2021-09-15T07:54:50.199" v="557" actId="478"/>
+          <ac:spMkLst>
+            <pc:docMk/>
+            <pc:sldMk cId="2774075182" sldId="426"/>
+            <ac:spMk id="5" creationId="{529FE46D-549E-40A9-BFFD-4254C9067644}"/>
+          </ac:spMkLst>
+        </pc:spChg>
+        <pc:spChg chg="del mod">
+          <ac:chgData name="Niek Freriks" userId="8e3f36c4-8f4a-453d-a316-bd9c4889273a" providerId="ADAL" clId="{1D77BD94-CC86-4D9A-93ED-E4A5DA170611}" dt="2021-09-15T07:54:50.199" v="557" actId="478"/>
+          <ac:spMkLst>
+            <pc:docMk/>
+            <pc:sldMk cId="2774075182" sldId="426"/>
+            <ac:spMk id="6" creationId="{497FDC38-D8E4-458C-901D-291386158F99}"/>
+          </ac:spMkLst>
+        </pc:spChg>
+        <pc:spChg chg="del mod">
+          <ac:chgData name="Niek Freriks" userId="8e3f36c4-8f4a-453d-a316-bd9c4889273a" providerId="ADAL" clId="{1D77BD94-CC86-4D9A-93ED-E4A5DA170611}" dt="2021-09-15T07:54:50.199" v="557" actId="478"/>
+          <ac:spMkLst>
+            <pc:docMk/>
+            <pc:sldMk cId="2774075182" sldId="426"/>
+            <ac:spMk id="7" creationId="{36ACB68E-1E67-451F-88A2-C603F3121715}"/>
+          </ac:spMkLst>
+        </pc:spChg>
+        <pc:spChg chg="del mod">
+          <ac:chgData name="Niek Freriks" userId="8e3f36c4-8f4a-453d-a316-bd9c4889273a" providerId="ADAL" clId="{1D77BD94-CC86-4D9A-93ED-E4A5DA170611}" dt="2021-09-15T07:54:50.199" v="557" actId="478"/>
+          <ac:spMkLst>
+            <pc:docMk/>
+            <pc:sldMk cId="2774075182" sldId="426"/>
+            <ac:spMk id="8" creationId="{6D40FE83-7AF9-4BEC-9FEC-40B747804972}"/>
+          </ac:spMkLst>
+        </pc:spChg>
+        <pc:spChg chg="del mod">
+          <ac:chgData name="Niek Freriks" userId="8e3f36c4-8f4a-453d-a316-bd9c4889273a" providerId="ADAL" clId="{1D77BD94-CC86-4D9A-93ED-E4A5DA170611}" dt="2021-09-15T07:54:50.199" v="557" actId="478"/>
+          <ac:spMkLst>
+            <pc:docMk/>
+            <pc:sldMk cId="2774075182" sldId="426"/>
+            <ac:spMk id="9" creationId="{5E966B70-8CF9-42A9-9074-5B054A41062A}"/>
+          </ac:spMkLst>
+        </pc:spChg>
+        <pc:spChg chg="del mod">
+          <ac:chgData name="Niek Freriks" userId="8e3f36c4-8f4a-453d-a316-bd9c4889273a" providerId="ADAL" clId="{1D77BD94-CC86-4D9A-93ED-E4A5DA170611}" dt="2021-09-15T07:54:50.199" v="557" actId="478"/>
+          <ac:spMkLst>
+            <pc:docMk/>
+            <pc:sldMk cId="2774075182" sldId="426"/>
+            <ac:spMk id="10" creationId="{CD3AD450-9DB6-46F9-829F-D9E3B8D55299}"/>
+          </ac:spMkLst>
+        </pc:spChg>
+        <pc:spChg chg="del mod">
+          <ac:chgData name="Niek Freriks" userId="8e3f36c4-8f4a-453d-a316-bd9c4889273a" providerId="ADAL" clId="{1D77BD94-CC86-4D9A-93ED-E4A5DA170611}" dt="2021-09-15T07:54:50.199" v="557" actId="478"/>
+          <ac:spMkLst>
+            <pc:docMk/>
+            <pc:sldMk cId="2774075182" sldId="426"/>
+            <ac:spMk id="11" creationId="{7B3BA868-E8AE-47EC-A325-D8BCF16BD382}"/>
+          </ac:spMkLst>
+        </pc:spChg>
+        <pc:spChg chg="del mod">
+          <ac:chgData name="Niek Freriks" userId="8e3f36c4-8f4a-453d-a316-bd9c4889273a" providerId="ADAL" clId="{1D77BD94-CC86-4D9A-93ED-E4A5DA170611}" dt="2021-09-15T07:54:50.199" v="557" actId="478"/>
+          <ac:spMkLst>
+            <pc:docMk/>
+            <pc:sldMk cId="2774075182" sldId="426"/>
+            <ac:spMk id="12" creationId="{79AFB219-DDA7-4C0B-8BC2-E39FF0559796}"/>
+          </ac:spMkLst>
+        </pc:spChg>
+        <pc:spChg chg="del mod">
+          <ac:chgData name="Niek Freriks" userId="8e3f36c4-8f4a-453d-a316-bd9c4889273a" providerId="ADAL" clId="{1D77BD94-CC86-4D9A-93ED-E4A5DA170611}" dt="2021-09-15T07:54:50.199" v="557" actId="478"/>
+          <ac:spMkLst>
+            <pc:docMk/>
+            <pc:sldMk cId="2774075182" sldId="426"/>
+            <ac:spMk id="13" creationId="{D33D8DA9-652C-4BCE-AE6B-C0E636DF7E23}"/>
+          </ac:spMkLst>
+        </pc:spChg>
+        <pc:spChg chg="del mod">
+          <ac:chgData name="Niek Freriks" userId="8e3f36c4-8f4a-453d-a316-bd9c4889273a" providerId="ADAL" clId="{1D77BD94-CC86-4D9A-93ED-E4A5DA170611}" dt="2021-09-15T07:54:50.199" v="557" actId="478"/>
           <ac:spMkLst>
             <pc:docMk/>
             <pc:sldMk cId="2774075182" sldId="426"/>
             <ac:spMk id="14" creationId="{DC3098CC-B61E-4209-909F-E1F299D249ED}"/>
           </ac:spMkLst>
         </pc:spChg>
+        <pc:spChg chg="add del mod">
+          <ac:chgData name="Niek Freriks" userId="8e3f36c4-8f4a-453d-a316-bd9c4889273a" providerId="ADAL" clId="{1D77BD94-CC86-4D9A-93ED-E4A5DA170611}" dt="2021-09-15T07:54:50.199" v="557" actId="478"/>
+          <ac:spMkLst>
+            <pc:docMk/>
+            <pc:sldMk cId="2774075182" sldId="426"/>
+            <ac:spMk id="15" creationId="{8FE9ABA3-350B-4FFE-B3AF-08F99EB23965}"/>
+          </ac:spMkLst>
+        </pc:spChg>
+        <pc:spChg chg="add del mod">
+          <ac:chgData name="Niek Freriks" userId="8e3f36c4-8f4a-453d-a316-bd9c4889273a" providerId="ADAL" clId="{1D77BD94-CC86-4D9A-93ED-E4A5DA170611}" dt="2021-09-15T07:54:50.199" v="557" actId="478"/>
+          <ac:spMkLst>
+            <pc:docMk/>
+            <pc:sldMk cId="2774075182" sldId="426"/>
+            <ac:spMk id="16" creationId="{1BD92EEF-8C4D-4CBC-AFA8-24887AF33B94}"/>
+          </ac:spMkLst>
+        </pc:spChg>
+      </pc:sldChg>
+      <pc:sldChg chg="addSp modSp mod">
+        <pc:chgData name="Niek Freriks" userId="8e3f36c4-8f4a-453d-a316-bd9c4889273a" providerId="ADAL" clId="{1D77BD94-CC86-4D9A-93ED-E4A5DA170611}" dt="2021-09-15T08:27:08.657" v="589" actId="1076"/>
+        <pc:sldMkLst>
+          <pc:docMk/>
+          <pc:sldMk cId="943426166" sldId="427"/>
+        </pc:sldMkLst>
+        <pc:spChg chg="mod">
+          <ac:chgData name="Niek Freriks" userId="8e3f36c4-8f4a-453d-a316-bd9c4889273a" providerId="ADAL" clId="{1D77BD94-CC86-4D9A-93ED-E4A5DA170611}" dt="2021-09-15T07:53:21.311" v="467" actId="20577"/>
+          <ac:spMkLst>
+            <pc:docMk/>
+            <pc:sldMk cId="943426166" sldId="427"/>
+            <ac:spMk id="4" creationId="{0529C74D-79D4-4C9B-A131-B5C560BCEF63}"/>
+          </ac:spMkLst>
+        </pc:spChg>
+        <pc:spChg chg="mod">
+          <ac:chgData name="Niek Freriks" userId="8e3f36c4-8f4a-453d-a316-bd9c4889273a" providerId="ADAL" clId="{1D77BD94-CC86-4D9A-93ED-E4A5DA170611}" dt="2021-09-15T08:25:25.110" v="578"/>
+          <ac:spMkLst>
+            <pc:docMk/>
+            <pc:sldMk cId="943426166" sldId="427"/>
+            <ac:spMk id="15" creationId="{FC3D0C8A-ABBA-41F8-9C96-9606475425B1}"/>
+          </ac:spMkLst>
+        </pc:spChg>
+        <pc:picChg chg="add mod">
+          <ac:chgData name="Niek Freriks" userId="8e3f36c4-8f4a-453d-a316-bd9c4889273a" providerId="ADAL" clId="{1D77BD94-CC86-4D9A-93ED-E4A5DA170611}" dt="2021-09-15T08:27:08.657" v="589" actId="1076"/>
+          <ac:picMkLst>
+            <pc:docMk/>
+            <pc:sldMk cId="943426166" sldId="427"/>
+            <ac:picMk id="5" creationId="{E94C633C-0FBE-4E0B-AE0D-04CD77D5C4D0}"/>
+          </ac:picMkLst>
+        </pc:picChg>
+        <pc:picChg chg="add mod">
+          <ac:chgData name="Niek Freriks" userId="8e3f36c4-8f4a-453d-a316-bd9c4889273a" providerId="ADAL" clId="{1D77BD94-CC86-4D9A-93ED-E4A5DA170611}" dt="2021-09-15T08:27:07.947" v="588" actId="1076"/>
+          <ac:picMkLst>
+            <pc:docMk/>
+            <pc:sldMk cId="943426166" sldId="427"/>
+            <ac:picMk id="7" creationId="{10D2E7FC-E367-46B1-80BE-E76A64758B1E}"/>
+          </ac:picMkLst>
+        </pc:picChg>
       </pc:sldChg>
       <pc:sldChg chg="addSp modSp mod">
         <pc:chgData name="Niek Freriks" userId="8e3f36c4-8f4a-453d-a316-bd9c4889273a" providerId="ADAL" clId="{1D77BD94-CC86-4D9A-93ED-E4A5DA170611}" dt="2021-09-14T11:08:15.173" v="167" actId="20577"/>
@@ -308,8 +557,8 @@
           </ac:picMkLst>
         </pc:picChg>
       </pc:sldChg>
-      <pc:sldChg chg="addSp delSp modSp new mod">
-        <pc:chgData name="Niek Freriks" userId="8e3f36c4-8f4a-453d-a316-bd9c4889273a" providerId="ADAL" clId="{1D77BD94-CC86-4D9A-93ED-E4A5DA170611}" dt="2021-09-14T11:24:57.359" v="243" actId="14100"/>
+      <pc:sldChg chg="addSp delSp modSp new del mod">
+        <pc:chgData name="Niek Freriks" userId="8e3f36c4-8f4a-453d-a316-bd9c4889273a" providerId="ADAL" clId="{1D77BD94-CC86-4D9A-93ED-E4A5DA170611}" dt="2021-09-15T07:54:19.263" v="535" actId="47"/>
         <pc:sldMkLst>
           <pc:docMk/>
           <pc:sldMk cId="71211161" sldId="431"/>
@@ -336,6 +585,29 @@
             <pc:docMk/>
             <pc:sldMk cId="71211161" sldId="431"/>
             <ac:spMk id="7" creationId="{A0B894F4-BBD9-441C-9B73-6A7EC3545B24}"/>
+          </ac:spMkLst>
+        </pc:spChg>
+      </pc:sldChg>
+      <pc:sldChg chg="addSp modSp add mod ord">
+        <pc:chgData name="Niek Freriks" userId="8e3f36c4-8f4a-453d-a316-bd9c4889273a" providerId="ADAL" clId="{1D77BD94-CC86-4D9A-93ED-E4A5DA170611}" dt="2021-09-15T07:56:53.723" v="564" actId="1076"/>
+        <pc:sldMkLst>
+          <pc:docMk/>
+          <pc:sldMk cId="2709083127" sldId="431"/>
+        </pc:sldMkLst>
+        <pc:spChg chg="mod">
+          <ac:chgData name="Niek Freriks" userId="8e3f36c4-8f4a-453d-a316-bd9c4889273a" providerId="ADAL" clId="{1D77BD94-CC86-4D9A-93ED-E4A5DA170611}" dt="2021-09-15T07:54:37.191" v="543" actId="20577"/>
+          <ac:spMkLst>
+            <pc:docMk/>
+            <pc:sldMk cId="2709083127" sldId="431"/>
+            <ac:spMk id="7" creationId="{36ACB68E-1E67-451F-88A2-C603F3121715}"/>
+          </ac:spMkLst>
+        </pc:spChg>
+        <pc:spChg chg="add mod">
+          <ac:chgData name="Niek Freriks" userId="8e3f36c4-8f4a-453d-a316-bd9c4889273a" providerId="ADAL" clId="{1D77BD94-CC86-4D9A-93ED-E4A5DA170611}" dt="2021-09-15T07:56:53.723" v="564" actId="1076"/>
+          <ac:spMkLst>
+            <pc:docMk/>
+            <pc:sldMk cId="2709083127" sldId="431"/>
+            <ac:spMk id="17" creationId="{2A898118-9265-43BB-8932-0CE44D3F3C10}"/>
           </ac:spMkLst>
         </pc:spChg>
       </pc:sldChg>
@@ -426,7 +698,7 @@
           <a:p>
             <a:fld id="{70F338FB-DA51-AB47-B6D1-9F9FC450D0E9}" type="datetimeFigureOut">
               <a:rPr lang="en-US" smtClean="0"/>
-              <a:t>9/14/2021</a:t>
+              <a:t>9/15/2021</a:t>
             </a:fld>
             <a:endParaRPr lang="en-US"/>
           </a:p>
@@ -591,7 +863,7 @@
           <a:p>
             <a:fld id="{9D65984C-6A5B-FE46-949C-3EDAC4C793AE}" type="datetimeFigureOut">
               <a:rPr lang="en-US" smtClean="0"/>
-              <a:t>9/14/2021</a:t>
+              <a:t>9/15/2021</a:t>
             </a:fld>
             <a:endParaRPr lang="en-US"/>
           </a:p>
@@ -2391,7 +2663,7 @@
                 <a:ea typeface="Arial Black" charset="0"/>
                 <a:cs typeface="Arial Black" charset="0"/>
               </a:rPr>
-              <a:t>14-Sep-2021</a:t>
+              <a:t>15-Sep-2021</a:t>
             </a:r>
           </a:p>
         </p:txBody>
@@ -3378,330 +3650,6 @@
     <p:extLst>
       <p:ext uri="{BB962C8B-B14F-4D97-AF65-F5344CB8AC3E}">
         <p14:creationId xmlns:p14="http://schemas.microsoft.com/office/powerpoint/2010/main" val="3417268931"/>
-      </p:ext>
-    </p:extLst>
-  </p:cSld>
-  <p:clrMapOvr>
-    <a:masterClrMapping/>
-  </p:clrMapOvr>
-</p:sld>
-</file>
-
-<file path=ppt/slides/slide12.xml><?xml version="1.0" encoding="utf-8"?>
-<p:sld xmlns:a="http://schemas.openxmlformats.org/drawingml/2006/main" xmlns:r="http://schemas.openxmlformats.org/officeDocument/2006/relationships" xmlns:p="http://schemas.openxmlformats.org/presentationml/2006/main">
-  <p:cSld>
-    <p:spTree>
-      <p:nvGrpSpPr>
-        <p:cNvPr id="1" name=""/>
-        <p:cNvGrpSpPr/>
-        <p:nvPr/>
-      </p:nvGrpSpPr>
-      <p:grpSpPr>
-        <a:xfrm>
-          <a:off x="0" y="0"/>
-          <a:ext cx="0" cy="0"/>
-          <a:chOff x="0" y="0"/>
-          <a:chExt cx="0" cy="0"/>
-        </a:xfrm>
-      </p:grpSpPr>
-      <p:sp>
-        <p:nvSpPr>
-          <p:cNvPr id="2" name="Title 1">
-            <a:extLst>
-              <a:ext uri="{FF2B5EF4-FFF2-40B4-BE49-F238E27FC236}">
-                <a16:creationId xmlns:a16="http://schemas.microsoft.com/office/drawing/2014/main" id="{1519B497-6A5C-4677-9ABB-353BA7D526B0}"/>
-              </a:ext>
-            </a:extLst>
-          </p:cNvPr>
-          <p:cNvSpPr>
-            <a:spLocks noGrp="1"/>
-          </p:cNvSpPr>
-          <p:nvPr>
-            <p:ph type="title"/>
-          </p:nvPr>
-        </p:nvSpPr>
-        <p:spPr/>
-        <p:txBody>
-          <a:bodyPr/>
-          <a:lstStyle/>
-          <a:p>
-            <a:endParaRPr lang="en-US"/>
-          </a:p>
-        </p:txBody>
-      </p:sp>
-      <p:sp>
-        <p:nvSpPr>
-          <p:cNvPr id="3" name="Text Placeholder 2">
-            <a:extLst>
-              <a:ext uri="{FF2B5EF4-FFF2-40B4-BE49-F238E27FC236}">
-                <a16:creationId xmlns:a16="http://schemas.microsoft.com/office/drawing/2014/main" id="{DAE64448-A5E6-498D-B601-5E8A6123C9E0}"/>
-              </a:ext>
-            </a:extLst>
-          </p:cNvPr>
-          <p:cNvSpPr>
-            <a:spLocks noGrp="1"/>
-          </p:cNvSpPr>
-          <p:nvPr>
-            <p:ph type="body" sz="quarter" idx="11"/>
-          </p:nvPr>
-        </p:nvSpPr>
-        <p:spPr/>
-        <p:txBody>
-          <a:bodyPr/>
-          <a:lstStyle/>
-          <a:p>
-            <a:r>
-              <a:rPr lang="en-US" dirty="0"/>
-              <a:t>Get data with </a:t>
-            </a:r>
-            <a:r>
-              <a:rPr lang="en-US" dirty="0" err="1"/>
-              <a:t>getSummaryDataAsync</a:t>
-            </a:r>
-            <a:endParaRPr lang="en-US" dirty="0"/>
-          </a:p>
-          <a:p>
-            <a:r>
-              <a:rPr lang="en-US" dirty="0"/>
-              <a:t>Loop over each row with foreach</a:t>
-            </a:r>
-          </a:p>
-        </p:txBody>
-      </p:sp>
-      <p:sp>
-        <p:nvSpPr>
-          <p:cNvPr id="4" name="Text Placeholder 3">
-            <a:extLst>
-              <a:ext uri="{FF2B5EF4-FFF2-40B4-BE49-F238E27FC236}">
-                <a16:creationId xmlns:a16="http://schemas.microsoft.com/office/drawing/2014/main" id="{4DFAA4CA-7BF3-4EE0-A37C-8B532645F501}"/>
-              </a:ext>
-            </a:extLst>
-          </p:cNvPr>
-          <p:cNvSpPr>
-            <a:spLocks noGrp="1"/>
-          </p:cNvSpPr>
-          <p:nvPr>
-            <p:ph type="body" sz="quarter" idx="12"/>
-          </p:nvPr>
-        </p:nvSpPr>
-        <p:spPr/>
-        <p:txBody>
-          <a:bodyPr/>
-          <a:lstStyle/>
-          <a:p>
-            <a:endParaRPr lang="en-US"/>
-          </a:p>
-        </p:txBody>
-      </p:sp>
-      <p:sp>
-        <p:nvSpPr>
-          <p:cNvPr id="7" name="TextBox 6">
-            <a:extLst>
-              <a:ext uri="{FF2B5EF4-FFF2-40B4-BE49-F238E27FC236}">
-                <a16:creationId xmlns:a16="http://schemas.microsoft.com/office/drawing/2014/main" id="{A0B894F4-BBD9-441C-9B73-6A7EC3545B24}"/>
-              </a:ext>
-            </a:extLst>
-          </p:cNvPr>
-          <p:cNvSpPr txBox="1"/>
-          <p:nvPr/>
-        </p:nvSpPr>
-        <p:spPr>
-          <a:xfrm>
-            <a:off x="3057575" y="3408182"/>
-            <a:ext cx="2900165" cy="2031325"/>
-          </a:xfrm>
-          <a:prstGeom prst="rect">
-            <a:avLst/>
-          </a:prstGeom>
-          <a:noFill/>
-        </p:spPr>
-        <p:txBody>
-          <a:bodyPr wrap="square">
-            <a:spAutoFit/>
-          </a:bodyPr>
-          <a:lstStyle/>
-          <a:p>
-            <a:pPr marL="0" indent="0">
-              <a:buNone/>
-            </a:pPr>
-            <a:r>
-              <a:rPr lang="en-US" b="0" i="0" dirty="0">
-                <a:solidFill>
-                  <a:srgbClr val="202124"/>
-                </a:solidFill>
-                <a:effectLst/>
-                <a:latin typeface="Roboto" panose="02000000000000000000" pitchFamily="2" charset="0"/>
-              </a:rPr>
-              <a:t>var cubes = [ [1, 2, 3], [4, 5, 6], [7, 8, 9], ]; for(var </a:t>
-            </a:r>
-            <a:r>
-              <a:rPr lang="en-US" b="0" i="0" dirty="0" err="1">
-                <a:solidFill>
-                  <a:srgbClr val="202124"/>
-                </a:solidFill>
-                <a:effectLst/>
-                <a:latin typeface="Roboto" panose="02000000000000000000" pitchFamily="2" charset="0"/>
-              </a:rPr>
-              <a:t>i</a:t>
-            </a:r>
-            <a:r>
-              <a:rPr lang="en-US" b="0" i="0" dirty="0">
-                <a:solidFill>
-                  <a:srgbClr val="202124"/>
-                </a:solidFill>
-                <a:effectLst/>
-                <a:latin typeface="Roboto" panose="02000000000000000000" pitchFamily="2" charset="0"/>
-              </a:rPr>
-              <a:t> = 0; </a:t>
-            </a:r>
-            <a:r>
-              <a:rPr lang="en-US" b="0" i="0" dirty="0" err="1">
-                <a:solidFill>
-                  <a:srgbClr val="202124"/>
-                </a:solidFill>
-                <a:effectLst/>
-                <a:latin typeface="Roboto" panose="02000000000000000000" pitchFamily="2" charset="0"/>
-              </a:rPr>
-              <a:t>i</a:t>
-            </a:r>
-            <a:r>
-              <a:rPr lang="en-US" b="0" i="0" dirty="0">
-                <a:solidFill>
-                  <a:srgbClr val="202124"/>
-                </a:solidFill>
-                <a:effectLst/>
-                <a:latin typeface="Roboto" panose="02000000000000000000" pitchFamily="2" charset="0"/>
-              </a:rPr>
-              <a:t> &lt; </a:t>
-            </a:r>
-            <a:r>
-              <a:rPr lang="en-US" b="0" i="0" dirty="0" err="1">
-                <a:solidFill>
-                  <a:srgbClr val="202124"/>
-                </a:solidFill>
-                <a:effectLst/>
-                <a:latin typeface="Roboto" panose="02000000000000000000" pitchFamily="2" charset="0"/>
-              </a:rPr>
-              <a:t>cubes.length</a:t>
-            </a:r>
-            <a:r>
-              <a:rPr lang="en-US" b="0" i="0" dirty="0">
-                <a:solidFill>
-                  <a:srgbClr val="202124"/>
-                </a:solidFill>
-                <a:effectLst/>
-                <a:latin typeface="Roboto" panose="02000000000000000000" pitchFamily="2" charset="0"/>
-              </a:rPr>
-              <a:t>; </a:t>
-            </a:r>
-            <a:r>
-              <a:rPr lang="en-US" b="0" i="0" dirty="0" err="1">
-                <a:solidFill>
-                  <a:srgbClr val="202124"/>
-                </a:solidFill>
-                <a:effectLst/>
-                <a:latin typeface="Roboto" panose="02000000000000000000" pitchFamily="2" charset="0"/>
-              </a:rPr>
-              <a:t>i</a:t>
-            </a:r>
-            <a:r>
-              <a:rPr lang="en-US" b="0" i="0" dirty="0">
-                <a:solidFill>
-                  <a:srgbClr val="202124"/>
-                </a:solidFill>
-                <a:effectLst/>
-                <a:latin typeface="Roboto" panose="02000000000000000000" pitchFamily="2" charset="0"/>
-              </a:rPr>
-              <a:t>++) { var cube = cubes[</a:t>
-            </a:r>
-            <a:r>
-              <a:rPr lang="en-US" b="0" i="0" dirty="0" err="1">
-                <a:solidFill>
-                  <a:srgbClr val="202124"/>
-                </a:solidFill>
-                <a:effectLst/>
-                <a:latin typeface="Roboto" panose="02000000000000000000" pitchFamily="2" charset="0"/>
-              </a:rPr>
-              <a:t>i</a:t>
-            </a:r>
-            <a:r>
-              <a:rPr lang="en-US" b="0" i="0" dirty="0">
-                <a:solidFill>
-                  <a:srgbClr val="202124"/>
-                </a:solidFill>
-                <a:effectLst/>
-                <a:latin typeface="Roboto" panose="02000000000000000000" pitchFamily="2" charset="0"/>
-              </a:rPr>
-              <a:t>]; for(var j = 0; j &lt; </a:t>
-            </a:r>
-            <a:r>
-              <a:rPr lang="en-US" b="0" i="0" dirty="0" err="1">
-                <a:solidFill>
-                  <a:srgbClr val="202124"/>
-                </a:solidFill>
-                <a:effectLst/>
-                <a:latin typeface="Roboto" panose="02000000000000000000" pitchFamily="2" charset="0"/>
-              </a:rPr>
-              <a:t>cube.length</a:t>
-            </a:r>
-            <a:r>
-              <a:rPr lang="en-US" b="0" i="0" dirty="0">
-                <a:solidFill>
-                  <a:srgbClr val="202124"/>
-                </a:solidFill>
-                <a:effectLst/>
-                <a:latin typeface="Roboto" panose="02000000000000000000" pitchFamily="2" charset="0"/>
-              </a:rPr>
-              <a:t>; </a:t>
-            </a:r>
-            <a:r>
-              <a:rPr lang="en-US" b="0" i="0" dirty="0" err="1">
-                <a:solidFill>
-                  <a:srgbClr val="202124"/>
-                </a:solidFill>
-                <a:effectLst/>
-                <a:latin typeface="Roboto" panose="02000000000000000000" pitchFamily="2" charset="0"/>
-              </a:rPr>
-              <a:t>j++</a:t>
-            </a:r>
-            <a:r>
-              <a:rPr lang="en-US" b="0" i="0" dirty="0">
-                <a:solidFill>
-                  <a:srgbClr val="202124"/>
-                </a:solidFill>
-                <a:effectLst/>
-                <a:latin typeface="Roboto" panose="02000000000000000000" pitchFamily="2" charset="0"/>
-              </a:rPr>
-              <a:t>) { display("cube[" + </a:t>
-            </a:r>
-            <a:r>
-              <a:rPr lang="en-US" b="0" i="0" dirty="0" err="1">
-                <a:solidFill>
-                  <a:srgbClr val="202124"/>
-                </a:solidFill>
-                <a:effectLst/>
-                <a:latin typeface="Roboto" panose="02000000000000000000" pitchFamily="2" charset="0"/>
-              </a:rPr>
-              <a:t>i</a:t>
-            </a:r>
-            <a:r>
-              <a:rPr lang="en-US" b="0" i="0" dirty="0">
-                <a:solidFill>
-                  <a:srgbClr val="202124"/>
-                </a:solidFill>
-                <a:effectLst/>
-                <a:latin typeface="Roboto" panose="02000000000000000000" pitchFamily="2" charset="0"/>
-              </a:rPr>
-              <a:t> + "][" + j + "] = " + cube[j]); } }</a:t>
-            </a:r>
-            <a:endParaRPr lang="en-US" dirty="0"/>
-          </a:p>
-        </p:txBody>
-      </p:sp>
-    </p:spTree>
-    <p:extLst>
-      <p:ext uri="{BB962C8B-B14F-4D97-AF65-F5344CB8AC3E}">
-        <p14:creationId xmlns:p14="http://schemas.microsoft.com/office/powerpoint/2010/main" val="71211161"/>
       </p:ext>
     </p:extLst>
   </p:cSld>
@@ -3859,8 +3807,12 @@
           <a:lstStyle/>
           <a:p>
             <a:r>
-              <a:rPr lang="en-US" dirty="0"/>
-              <a:t>Hotspot's data coming from worksheet</a:t>
+              <a:rPr lang="en-US" dirty="0">
+                <a:solidFill>
+                  <a:srgbClr val="00B050"/>
+                </a:solidFill>
+              </a:rPr>
+              <a:t>Hotspot's data coming from worksheet </a:t>
             </a:r>
           </a:p>
           <a:p>
@@ -4214,7 +4166,7 @@
             <a:avLst/>
           </a:prstGeom>
           <a:solidFill>
-            <a:schemeClr val="tx1"/>
+            <a:srgbClr val="00B050"/>
           </a:solidFill>
         </p:spPr>
         <p:style>
@@ -4263,7 +4215,7 @@
             <a:avLst/>
           </a:prstGeom>
           <a:solidFill>
-            <a:schemeClr val="tx1"/>
+            <a:srgbClr val="00B050"/>
           </a:solidFill>
         </p:spPr>
         <p:style>
@@ -4303,10 +4255,10 @@
       </p:sp>
       <p:sp>
         <p:nvSpPr>
-          <p:cNvPr id="15" name="Arrow: Left-Right 14">
+          <p:cNvPr id="16" name="Arrow: Right 15">
             <a:extLst>
               <a:ext uri="{FF2B5EF4-FFF2-40B4-BE49-F238E27FC236}">
-                <a16:creationId xmlns:a16="http://schemas.microsoft.com/office/drawing/2014/main" id="{FAD646D0-0B8D-4A3A-9C6E-17A26CB2D15B}"/>
+                <a16:creationId xmlns:a16="http://schemas.microsoft.com/office/drawing/2014/main" id="{177A15BC-94AD-4BF9-BF27-927F60B11002}"/>
               </a:ext>
             </a:extLst>
           </p:cNvPr>
@@ -4315,12 +4267,15 @@
         </p:nvSpPr>
         <p:spPr>
           <a:xfrm>
-            <a:off x="5252935" y="2833231"/>
-            <a:ext cx="1039007" cy="469075"/>
-          </a:xfrm>
-          <a:prstGeom prst="leftRightArrow">
-            <a:avLst/>
-          </a:prstGeom>
+            <a:off x="5256648" y="2926281"/>
+            <a:ext cx="934519" cy="415636"/>
+          </a:xfrm>
+          <a:prstGeom prst="rightArrow">
+            <a:avLst/>
+          </a:prstGeom>
+          <a:solidFill>
+            <a:srgbClr val="005779"/>
+          </a:solidFill>
         </p:spPr>
         <p:style>
           <a:lnRef idx="2">
@@ -4512,23 +4467,17 @@
           <a:p>
             <a:r>
               <a:rPr lang="en-US" dirty="0"/>
-              <a:t>Created my first extension!</a:t>
-            </a:r>
-          </a:p>
-          <a:p>
-            <a:r>
-              <a:rPr lang="en-US" dirty="0"/>
-              <a:t>Kind of….</a:t>
+              <a:t>It’s a start</a:t>
             </a:r>
           </a:p>
         </p:txBody>
       </p:sp>
       <p:pic>
         <p:nvPicPr>
-          <p:cNvPr id="16" name="Picture 15">
+          <p:cNvPr id="5" name="Picture 4">
             <a:extLst>
               <a:ext uri="{FF2B5EF4-FFF2-40B4-BE49-F238E27FC236}">
-                <a16:creationId xmlns:a16="http://schemas.microsoft.com/office/drawing/2014/main" id="{C1C9C601-EFF2-46AB-A3F9-553F34458E40}"/>
+                <a16:creationId xmlns:a16="http://schemas.microsoft.com/office/drawing/2014/main" id="{047DC653-9CD6-44D9-AAA8-C9BE24249FE7}"/>
               </a:ext>
             </a:extLst>
           </p:cNvPr>
@@ -4545,8 +4494,8 @@
         </p:blipFill>
         <p:spPr>
           <a:xfrm>
-            <a:off x="3433284" y="1915058"/>
-            <a:ext cx="4511307" cy="4147641"/>
+            <a:off x="567827" y="1717824"/>
+            <a:ext cx="6291600" cy="4421566"/>
           </a:xfrm>
           <a:prstGeom prst="rect">
             <a:avLst/>
@@ -4563,6 +4512,45 @@
           </a:effectLst>
         </p:spPr>
       </p:pic>
+      <p:sp>
+        <p:nvSpPr>
+          <p:cNvPr id="7" name="Text Placeholder 2">
+            <a:extLst>
+              <a:ext uri="{FF2B5EF4-FFF2-40B4-BE49-F238E27FC236}">
+                <a16:creationId xmlns:a16="http://schemas.microsoft.com/office/drawing/2014/main" id="{80BA079E-D783-462E-AB3F-84C35D1E09BC}"/>
+              </a:ext>
+            </a:extLst>
+          </p:cNvPr>
+          <p:cNvSpPr>
+            <a:spLocks noGrp="1"/>
+          </p:cNvSpPr>
+          <p:nvPr>
+            <p:ph type="body" sz="quarter" idx="11"/>
+          </p:nvPr>
+        </p:nvSpPr>
+        <p:spPr>
+          <a:xfrm>
+            <a:off x="7121531" y="2409241"/>
+            <a:ext cx="4863992" cy="3740150"/>
+          </a:xfrm>
+        </p:spPr>
+        <p:txBody>
+          <a:bodyPr/>
+          <a:lstStyle/>
+          <a:p>
+            <a:r>
+              <a:rPr lang="en-US" dirty="0"/>
+              <a:t>Data comes from hidden sheet</a:t>
+            </a:r>
+          </a:p>
+          <a:p>
+            <a:r>
+              <a:rPr lang="en-US" dirty="0"/>
+              <a:t>KPIs can be filtered out from the 3d model</a:t>
+            </a:r>
+          </a:p>
+        </p:txBody>
+      </p:sp>
     </p:spTree>
     <p:extLst>
       <p:ext uri="{BB962C8B-B14F-4D97-AF65-F5344CB8AC3E}">
@@ -4663,7 +4651,7 @@
         </p:nvSpPr>
         <p:spPr>
           <a:xfrm>
-            <a:off x="843148" y="3595499"/>
+            <a:off x="843152" y="3299607"/>
             <a:ext cx="3990110" cy="415637"/>
           </a:xfrm>
           <a:prstGeom prst="rect">
@@ -4715,7 +4703,7 @@
         </p:nvSpPr>
         <p:spPr>
           <a:xfrm>
-            <a:off x="843149" y="3125393"/>
+            <a:off x="843153" y="2829501"/>
             <a:ext cx="3990109" cy="415637"/>
           </a:xfrm>
           <a:prstGeom prst="rect">
@@ -4767,7 +4755,7 @@
         </p:nvSpPr>
         <p:spPr>
           <a:xfrm>
-            <a:off x="843149" y="2628568"/>
+            <a:off x="843153" y="2332676"/>
             <a:ext cx="3990109" cy="415637"/>
           </a:xfrm>
           <a:prstGeom prst="rect">
@@ -4797,7 +4785,7 @@
             <a:pPr algn="ctr"/>
             <a:r>
               <a:rPr lang="en-US" dirty="0"/>
-              <a:t>3d-asset.js</a:t>
+              <a:t>buttons.js</a:t>
             </a:r>
           </a:p>
         </p:txBody>
@@ -4816,7 +4804,7 @@
         </p:nvSpPr>
         <p:spPr>
           <a:xfrm>
-            <a:off x="1683327" y="2161648"/>
+            <a:off x="1683331" y="1865756"/>
             <a:ext cx="2309751" cy="369332"/>
           </a:xfrm>
           <a:prstGeom prst="rect">
@@ -4853,7 +4841,7 @@
         </p:nvSpPr>
         <p:spPr>
           <a:xfrm>
-            <a:off x="1683327" y="4704240"/>
+            <a:off x="1683331" y="4408348"/>
             <a:ext cx="2309751" cy="369332"/>
           </a:xfrm>
           <a:prstGeom prst="rect">
@@ -4889,7 +4877,7 @@
         </p:nvSpPr>
         <p:spPr>
           <a:xfrm>
-            <a:off x="843147" y="5080556"/>
+            <a:off x="843151" y="4784664"/>
             <a:ext cx="3990109" cy="415637"/>
           </a:xfrm>
           <a:prstGeom prst="rect">
@@ -4938,7 +4926,7 @@
         </p:nvSpPr>
         <p:spPr>
           <a:xfrm>
-            <a:off x="7411192" y="2161648"/>
+            <a:off x="7411196" y="1865756"/>
             <a:ext cx="2309751" cy="369332"/>
           </a:xfrm>
           <a:prstGeom prst="rect">
@@ -4974,7 +4962,7 @@
         </p:nvSpPr>
         <p:spPr>
           <a:xfrm>
-            <a:off x="6571012" y="2628568"/>
+            <a:off x="6571016" y="2332676"/>
             <a:ext cx="3990109" cy="415637"/>
           </a:xfrm>
           <a:prstGeom prst="rect">
@@ -5023,7 +5011,7 @@
         </p:nvSpPr>
         <p:spPr>
           <a:xfrm>
-            <a:off x="7358746" y="4724539"/>
+            <a:off x="7358750" y="4428647"/>
             <a:ext cx="2309751" cy="369332"/>
           </a:xfrm>
           <a:prstGeom prst="rect">
@@ -5059,7 +5047,7 @@
         </p:nvSpPr>
         <p:spPr>
           <a:xfrm>
-            <a:off x="6571011" y="5080555"/>
+            <a:off x="6571015" y="4784663"/>
             <a:ext cx="3990109" cy="415637"/>
           </a:xfrm>
           <a:prstGeom prst="rect">
@@ -5094,10 +5082,131 @@
           </a:p>
         </p:txBody>
       </p:sp>
+      <p:sp>
+        <p:nvSpPr>
+          <p:cNvPr id="15" name="TextBox 14">
+            <a:extLst>
+              <a:ext uri="{FF2B5EF4-FFF2-40B4-BE49-F238E27FC236}">
+                <a16:creationId xmlns:a16="http://schemas.microsoft.com/office/drawing/2014/main" id="{8FE9ABA3-350B-4FFE-B3AF-08F99EB23965}"/>
+              </a:ext>
+            </a:extLst>
+          </p:cNvPr>
+          <p:cNvSpPr txBox="1"/>
+          <p:nvPr/>
+        </p:nvSpPr>
+        <p:spPr>
+          <a:xfrm>
+            <a:off x="7411193" y="3219148"/>
+            <a:ext cx="2309751" cy="369332"/>
+          </a:xfrm>
+          <a:prstGeom prst="rect">
+            <a:avLst/>
+          </a:prstGeom>
+          <a:noFill/>
+        </p:spPr>
+        <p:txBody>
+          <a:bodyPr wrap="square" rtlCol="0">
+            <a:spAutoFit/>
+          </a:bodyPr>
+          <a:lstStyle/>
+          <a:p>
+            <a:pPr algn="ctr"/>
+            <a:r>
+              <a:rPr lang="en-US" b="1" dirty="0"/>
+              <a:t>TREX</a:t>
+            </a:r>
+          </a:p>
+        </p:txBody>
+      </p:sp>
+      <p:sp>
+        <p:nvSpPr>
+          <p:cNvPr id="16" name="Rectangle 15">
+            <a:extLst>
+              <a:ext uri="{FF2B5EF4-FFF2-40B4-BE49-F238E27FC236}">
+                <a16:creationId xmlns:a16="http://schemas.microsoft.com/office/drawing/2014/main" id="{1BD92EEF-8C4D-4CBC-AFA8-24887AF33B94}"/>
+              </a:ext>
+            </a:extLst>
+          </p:cNvPr>
+          <p:cNvSpPr/>
+          <p:nvPr/>
+        </p:nvSpPr>
+        <p:spPr>
+          <a:xfrm>
+            <a:off x="6571016" y="3592926"/>
+            <a:ext cx="3990109" cy="415637"/>
+          </a:xfrm>
+          <a:prstGeom prst="rect">
+            <a:avLst/>
+          </a:prstGeom>
+        </p:spPr>
+        <p:style>
+          <a:lnRef idx="2">
+            <a:schemeClr val="accent1">
+              <a:shade val="50000"/>
+            </a:schemeClr>
+          </a:lnRef>
+          <a:fillRef idx="1">
+            <a:schemeClr val="accent1"/>
+          </a:fillRef>
+          <a:effectRef idx="0">
+            <a:schemeClr val="accent1"/>
+          </a:effectRef>
+          <a:fontRef idx="minor">
+            <a:schemeClr val="lt1"/>
+          </a:fontRef>
+        </p:style>
+        <p:txBody>
+          <a:bodyPr rtlCol="0" anchor="ctr"/>
+          <a:lstStyle/>
+          <a:p>
+            <a:pPr algn="ctr"/>
+            <a:r>
+              <a:rPr lang="en-US" dirty="0"/>
+              <a:t>buttons.trex</a:t>
+            </a:r>
+          </a:p>
+        </p:txBody>
+      </p:sp>
+      <p:sp>
+        <p:nvSpPr>
+          <p:cNvPr id="17" name="TextBox 16">
+            <a:extLst>
+              <a:ext uri="{FF2B5EF4-FFF2-40B4-BE49-F238E27FC236}">
+                <a16:creationId xmlns:a16="http://schemas.microsoft.com/office/drawing/2014/main" id="{2A898118-9265-43BB-8932-0CE44D3F3C10}"/>
+              </a:ext>
+            </a:extLst>
+          </p:cNvPr>
+          <p:cNvSpPr txBox="1"/>
+          <p:nvPr/>
+        </p:nvSpPr>
+        <p:spPr>
+          <a:xfrm>
+            <a:off x="2986831" y="6158237"/>
+            <a:ext cx="6102882" cy="369332"/>
+          </a:xfrm>
+          <a:prstGeom prst="rect">
+            <a:avLst/>
+          </a:prstGeom>
+          <a:noFill/>
+        </p:spPr>
+        <p:txBody>
+          <a:bodyPr wrap="square">
+            <a:spAutoFit/>
+          </a:bodyPr>
+          <a:lstStyle/>
+          <a:p>
+            <a:pPr algn="ctr"/>
+            <a:r>
+              <a:rPr lang="en-US" dirty="0"/>
+              <a:t>https://github.com/niek-ilias/niek-ilias.github.io</a:t>
+            </a:r>
+          </a:p>
+        </p:txBody>
+      </p:sp>
     </p:spTree>
     <p:extLst>
       <p:ext uri="{BB962C8B-B14F-4D97-AF65-F5344CB8AC3E}">
-        <p14:creationId xmlns:p14="http://schemas.microsoft.com/office/powerpoint/2010/main" val="2774075182"/>
+        <p14:creationId xmlns:p14="http://schemas.microsoft.com/office/powerpoint/2010/main" val="2709083127"/>
       </p:ext>
     </p:extLst>
   </p:cSld>
@@ -5175,7 +5284,7 @@
           <a:p>
             <a:r>
               <a:rPr lang="en-US" dirty="0"/>
-              <a:t>How</a:t>
+              <a:t>Next step</a:t>
             </a:r>
           </a:p>
         </p:txBody>
@@ -5208,23 +5317,131 @@
           <a:p>
             <a:r>
               <a:rPr lang="en-US" dirty="0"/>
-              <a:t>Dynamically add hotspots to the extension based on data in worksheet</a:t>
+              <a:t>Use the hotspots in the model-viewer to interact with other sheets</a:t>
+            </a:r>
+          </a:p>
+          <a:p>
+            <a:pPr lvl="1"/>
+            <a:r>
+              <a:rPr lang="en-US" sz="1600" dirty="0" err="1"/>
+              <a:t>worksheet.applyFilterAsync</a:t>
+            </a:r>
+            <a:r>
+              <a:rPr lang="en-US" sz="1600" dirty="0"/>
+              <a:t>(</a:t>
+            </a:r>
+            <a:r>
+              <a:rPr lang="en-US" sz="1600" dirty="0" err="1"/>
+              <a:t>fieldName</a:t>
+            </a:r>
+            <a:r>
+              <a:rPr lang="en-US" sz="1600" dirty="0"/>
+              <a:t>, </a:t>
+            </a:r>
+            <a:r>
+              <a:rPr lang="en-US" sz="1600" dirty="0" err="1"/>
+              <a:t>columnDomain</a:t>
+            </a:r>
+            <a:r>
+              <a:rPr lang="en-US" sz="1600" dirty="0"/>
+              <a:t>, </a:t>
+            </a:r>
+            <a:r>
+              <a:rPr lang="en-US" sz="1600" dirty="0" err="1"/>
+              <a:t>tableau.FilterUpdateType.Replace</a:t>
+            </a:r>
+            <a:r>
+              <a:rPr lang="en-US" sz="1600" dirty="0"/>
+              <a:t>)</a:t>
+            </a:r>
+          </a:p>
+          <a:p>
+            <a:pPr lvl="1"/>
+            <a:r>
+              <a:rPr lang="en-US" sz="1600" dirty="0" err="1"/>
+              <a:t>worksheet.clearFilterAsync</a:t>
+            </a:r>
+            <a:r>
+              <a:rPr lang="en-US" sz="1600" dirty="0"/>
+              <a:t>(</a:t>
+            </a:r>
+            <a:r>
+              <a:rPr lang="en-US" sz="1600" dirty="0" err="1"/>
+              <a:t>columnName</a:t>
+            </a:r>
+            <a:r>
+              <a:rPr lang="en-US" sz="1600" dirty="0"/>
+              <a:t>)</a:t>
             </a:r>
           </a:p>
           <a:p>
             <a:r>
               <a:rPr lang="en-US" dirty="0"/>
-              <a:t>Use the hotspots in the model-viewer to interact with other sheets</a:t>
-            </a:r>
-          </a:p>
-          <a:p>
-            <a:r>
-              <a:rPr lang="en-US" dirty="0"/>
-              <a:t>Update the hotspots based on changed (filtered) data</a:t>
-            </a:r>
-          </a:p>
-        </p:txBody>
-      </p:sp>
+              <a:t>Add configuration to enable no-code implementation</a:t>
+            </a:r>
+          </a:p>
+        </p:txBody>
+      </p:sp>
+      <p:pic>
+        <p:nvPicPr>
+          <p:cNvPr id="5" name="Picture 4">
+            <a:extLst>
+              <a:ext uri="{FF2B5EF4-FFF2-40B4-BE49-F238E27FC236}">
+                <a16:creationId xmlns:a16="http://schemas.microsoft.com/office/drawing/2014/main" id="{E94C633C-0FBE-4E0B-AE0D-04CD77D5C4D0}"/>
+              </a:ext>
+            </a:extLst>
+          </p:cNvPr>
+          <p:cNvPicPr>
+            <a:picLocks noChangeAspect="1"/>
+          </p:cNvPicPr>
+          <p:nvPr/>
+        </p:nvPicPr>
+        <p:blipFill>
+          <a:blip r:embed="rId2"/>
+          <a:stretch>
+            <a:fillRect/>
+          </a:stretch>
+        </p:blipFill>
+        <p:spPr>
+          <a:xfrm>
+            <a:off x="703559" y="4468606"/>
+            <a:ext cx="5534025" cy="752475"/>
+          </a:xfrm>
+          <a:prstGeom prst="rect">
+            <a:avLst/>
+          </a:prstGeom>
+        </p:spPr>
+      </p:pic>
+      <p:pic>
+        <p:nvPicPr>
+          <p:cNvPr id="7" name="Picture 6">
+            <a:extLst>
+              <a:ext uri="{FF2B5EF4-FFF2-40B4-BE49-F238E27FC236}">
+                <a16:creationId xmlns:a16="http://schemas.microsoft.com/office/drawing/2014/main" id="{10D2E7FC-E367-46B1-80BE-E76A64758B1E}"/>
+              </a:ext>
+            </a:extLst>
+          </p:cNvPr>
+          <p:cNvPicPr>
+            <a:picLocks noChangeAspect="1"/>
+          </p:cNvPicPr>
+          <p:nvPr/>
+        </p:nvPicPr>
+        <p:blipFill>
+          <a:blip r:embed="rId3"/>
+          <a:stretch>
+            <a:fillRect/>
+          </a:stretch>
+        </p:blipFill>
+        <p:spPr>
+          <a:xfrm>
+            <a:off x="6819294" y="4468606"/>
+            <a:ext cx="4571539" cy="1420771"/>
+          </a:xfrm>
+          <a:prstGeom prst="rect">
+            <a:avLst/>
+          </a:prstGeom>
+        </p:spPr>
+      </p:pic>
     </p:spTree>
     <p:extLst>
       <p:ext uri="{BB962C8B-B14F-4D97-AF65-F5344CB8AC3E}">
@@ -6096,6 +6313,68 @@
 </file>
 
 <file path=customXml/item1.xml><?xml version="1.0" encoding="utf-8"?>
+<?mso-contentType ?>
+<spe:Receivers xmlns:spe="http://schemas.microsoft.com/sharepoint/events">
+  <Receiver>
+    <Name>Document ID Generator</Name>
+    <Synchronization>Synchronous</Synchronization>
+    <Type>10001</Type>
+    <SequenceNumber>1000</SequenceNumber>
+    <Url/>
+    <Assembly>Microsoft.Office.DocumentManagement, Version=15.0.0.0, Culture=neutral, PublicKeyToken=71e9bce111e9429c</Assembly>
+    <Class>Microsoft.Office.DocumentManagement.Internal.DocIdHandler</Class>
+    <Data/>
+    <Filter/>
+  </Receiver>
+  <Receiver>
+    <Name>Document ID Generator</Name>
+    <Synchronization>Synchronous</Synchronization>
+    <Type>10002</Type>
+    <SequenceNumber>1001</SequenceNumber>
+    <Url/>
+    <Assembly>Microsoft.Office.DocumentManagement, Version=15.0.0.0, Culture=neutral, PublicKeyToken=71e9bce111e9429c</Assembly>
+    <Class>Microsoft.Office.DocumentManagement.Internal.DocIdHandler</Class>
+    <Data/>
+    <Filter/>
+  </Receiver>
+  <Receiver>
+    <Name>Document ID Generator</Name>
+    <Synchronization>Synchronous</Synchronization>
+    <Type>10004</Type>
+    <SequenceNumber>1002</SequenceNumber>
+    <Url/>
+    <Assembly>Microsoft.Office.DocumentManagement, Version=15.0.0.0, Culture=neutral, PublicKeyToken=71e9bce111e9429c</Assembly>
+    <Class>Microsoft.Office.DocumentManagement.Internal.DocIdHandler</Class>
+    <Data/>
+    <Filter/>
+  </Receiver>
+  <Receiver>
+    <Name>Document ID Generator</Name>
+    <Synchronization>Synchronous</Synchronization>
+    <Type>10006</Type>
+    <SequenceNumber>1003</SequenceNumber>
+    <Url/>
+    <Assembly>Microsoft.Office.DocumentManagement, Version=15.0.0.0, Culture=neutral, PublicKeyToken=71e9bce111e9429c</Assembly>
+    <Class>Microsoft.Office.DocumentManagement.Internal.DocIdHandler</Class>
+    <Data/>
+    <Filter/>
+  </Receiver>
+</spe:Receivers>
+</file>
+
+<file path=customXml/item2.xml><?xml version="1.0" encoding="utf-8"?>
+<p:properties xmlns:p="http://schemas.microsoft.com/office/2006/metadata/properties" xmlns:xsi="http://www.w3.org/2001/XMLSchema-instance" xmlns:pc="http://schemas.microsoft.com/office/infopath/2007/PartnerControls">
+  <documentManagement>
+    <_dlc_DocId xmlns="5b982342-0d87-4f55-a186-98fd0ceed0ba">4RKJJKCWZ2UV-1085695750-220352</_dlc_DocId>
+    <_dlc_DocIdUrl xmlns="5b982342-0d87-4f55-a186-98fd0ceed0ba">
+      <Url>http://product.ilias.local/_layouts/15/DocIdRedir.aspx?ID=4RKJJKCWZ2UV-1085695750-220352</Url>
+      <Description>4RKJJKCWZ2UV-1085695750-220352</Description>
+    </_dlc_DocIdUrl>
+  </documentManagement>
+</p:properties>
+</file>
+
+<file path=customXml/item3.xml><?xml version="1.0" encoding="utf-8"?>
 <ct:contentTypeSchema xmlns:ct="http://schemas.microsoft.com/office/2006/metadata/contentType" xmlns:ma="http://schemas.microsoft.com/office/2006/metadata/properties/metaAttributes" ct:_="" ma:_="" ma:contentTypeName="Document" ma:contentTypeID="0x01010028063E0ABA3A084DBEE9C1D6D450162A" ma:contentTypeVersion="0" ma:contentTypeDescription="Create a new document." ma:contentTypeScope="" ma:versionID="d3671e04bbe56ad985db8eb83948f28e">
   <xsd:schema xmlns:xsd="http://www.w3.org/2001/XMLSchema" xmlns:xs="http://www.w3.org/2001/XMLSchema" xmlns:p="http://schemas.microsoft.com/office/2006/metadata/properties" xmlns:ns2="5b982342-0d87-4f55-a186-98fd0ceed0ba" targetNamespace="http://schemas.microsoft.com/office/2006/metadata/properties" ma:root="true" ma:fieldsID="e08e3d0e82783be27611b600535319e7" ns2:_="">
     <xsd:import namespace="5b982342-0d87-4f55-a186-98fd0ceed0ba"/>
@@ -6240,68 +6519,6 @@
 </ct:contentTypeSchema>
 </file>
 
-<file path=customXml/item2.xml><?xml version="1.0" encoding="utf-8"?>
-<p:properties xmlns:p="http://schemas.microsoft.com/office/2006/metadata/properties" xmlns:xsi="http://www.w3.org/2001/XMLSchema-instance" xmlns:pc="http://schemas.microsoft.com/office/infopath/2007/PartnerControls">
-  <documentManagement>
-    <_dlc_DocId xmlns="5b982342-0d87-4f55-a186-98fd0ceed0ba">4RKJJKCWZ2UV-1085695750-220352</_dlc_DocId>
-    <_dlc_DocIdUrl xmlns="5b982342-0d87-4f55-a186-98fd0ceed0ba">
-      <Url>http://product.ilias.local/_layouts/15/DocIdRedir.aspx?ID=4RKJJKCWZ2UV-1085695750-220352</Url>
-      <Description>4RKJJKCWZ2UV-1085695750-220352</Description>
-    </_dlc_DocIdUrl>
-  </documentManagement>
-</p:properties>
-</file>
-
-<file path=customXml/item3.xml><?xml version="1.0" encoding="utf-8"?>
-<?mso-contentType ?>
-<spe:Receivers xmlns:spe="http://schemas.microsoft.com/sharepoint/events">
-  <Receiver>
-    <Name>Document ID Generator</Name>
-    <Synchronization>Synchronous</Synchronization>
-    <Type>10001</Type>
-    <SequenceNumber>1000</SequenceNumber>
-    <Url/>
-    <Assembly>Microsoft.Office.DocumentManagement, Version=15.0.0.0, Culture=neutral, PublicKeyToken=71e9bce111e9429c</Assembly>
-    <Class>Microsoft.Office.DocumentManagement.Internal.DocIdHandler</Class>
-    <Data/>
-    <Filter/>
-  </Receiver>
-  <Receiver>
-    <Name>Document ID Generator</Name>
-    <Synchronization>Synchronous</Synchronization>
-    <Type>10002</Type>
-    <SequenceNumber>1001</SequenceNumber>
-    <Url/>
-    <Assembly>Microsoft.Office.DocumentManagement, Version=15.0.0.0, Culture=neutral, PublicKeyToken=71e9bce111e9429c</Assembly>
-    <Class>Microsoft.Office.DocumentManagement.Internal.DocIdHandler</Class>
-    <Data/>
-    <Filter/>
-  </Receiver>
-  <Receiver>
-    <Name>Document ID Generator</Name>
-    <Synchronization>Synchronous</Synchronization>
-    <Type>10004</Type>
-    <SequenceNumber>1002</SequenceNumber>
-    <Url/>
-    <Assembly>Microsoft.Office.DocumentManagement, Version=15.0.0.0, Culture=neutral, PublicKeyToken=71e9bce111e9429c</Assembly>
-    <Class>Microsoft.Office.DocumentManagement.Internal.DocIdHandler</Class>
-    <Data/>
-    <Filter/>
-  </Receiver>
-  <Receiver>
-    <Name>Document ID Generator</Name>
-    <Synchronization>Synchronous</Synchronization>
-    <Type>10006</Type>
-    <SequenceNumber>1003</SequenceNumber>
-    <Url/>
-    <Assembly>Microsoft.Office.DocumentManagement, Version=15.0.0.0, Culture=neutral, PublicKeyToken=71e9bce111e9429c</Assembly>
-    <Class>Microsoft.Office.DocumentManagement.Internal.DocIdHandler</Class>
-    <Data/>
-    <Filter/>
-  </Receiver>
-</spe:Receivers>
-</file>
-
 <file path=customXml/item4.xml><?xml version="1.0" encoding="utf-8"?>
 <?mso-contentType ?>
 <FormTemplates xmlns="http://schemas.microsoft.com/sharepoint/v3/contenttype/forms">
@@ -6312,19 +6529,9 @@
 </file>
 
 <file path=customXml/itemProps1.xml><?xml version="1.0" encoding="utf-8"?>
-<ds:datastoreItem xmlns:ds="http://schemas.openxmlformats.org/officeDocument/2006/customXml" ds:itemID="{A4843D58-2578-45B7-887C-BB2DA167ADBD}">
+<ds:datastoreItem xmlns:ds="http://schemas.openxmlformats.org/officeDocument/2006/customXml" ds:itemID="{A4343921-D044-4B44-B866-47EA9BFE8B8C}">
   <ds:schemaRefs>
-    <ds:schemaRef ds:uri="http://schemas.microsoft.com/office/2006/metadata/contentType"/>
-    <ds:schemaRef ds:uri="http://schemas.microsoft.com/office/2006/metadata/properties/metaAttributes"/>
-    <ds:schemaRef ds:uri="http://www.w3.org/2001/XMLSchema"/>
-    <ds:schemaRef ds:uri="http://schemas.microsoft.com/office/2006/metadata/properties"/>
-    <ds:schemaRef ds:uri="5b982342-0d87-4f55-a186-98fd0ceed0ba"/>
-    <ds:schemaRef ds:uri="http://schemas.microsoft.com/office/2006/documentManagement/types"/>
-    <ds:schemaRef ds:uri="http://schemas.microsoft.com/office/infopath/2007/PartnerControls"/>
-    <ds:schemaRef ds:uri="http://schemas.openxmlformats.org/package/2006/metadata/core-properties"/>
-    <ds:schemaRef ds:uri="http://purl.org/dc/elements/1.1/"/>
-    <ds:schemaRef ds:uri="http://purl.org/dc/terms/"/>
-    <ds:schemaRef ds:uri="http://schemas.microsoft.com/internal/obd"/>
+    <ds:schemaRef ds:uri="http://schemas.microsoft.com/sharepoint/events"/>
   </ds:schemaRefs>
 </ds:datastoreItem>
 </file>
@@ -6347,9 +6554,19 @@
 </file>
 
 <file path=customXml/itemProps3.xml><?xml version="1.0" encoding="utf-8"?>
-<ds:datastoreItem xmlns:ds="http://schemas.openxmlformats.org/officeDocument/2006/customXml" ds:itemID="{A4343921-D044-4B44-B866-47EA9BFE8B8C}">
+<ds:datastoreItem xmlns:ds="http://schemas.openxmlformats.org/officeDocument/2006/customXml" ds:itemID="{A4843D58-2578-45B7-887C-BB2DA167ADBD}">
   <ds:schemaRefs>
-    <ds:schemaRef ds:uri="http://schemas.microsoft.com/sharepoint/events"/>
+    <ds:schemaRef ds:uri="http://schemas.microsoft.com/office/2006/metadata/contentType"/>
+    <ds:schemaRef ds:uri="http://schemas.microsoft.com/office/2006/metadata/properties/metaAttributes"/>
+    <ds:schemaRef ds:uri="http://www.w3.org/2001/XMLSchema"/>
+    <ds:schemaRef ds:uri="http://schemas.microsoft.com/office/2006/metadata/properties"/>
+    <ds:schemaRef ds:uri="5b982342-0d87-4f55-a186-98fd0ceed0ba"/>
+    <ds:schemaRef ds:uri="http://schemas.microsoft.com/office/2006/documentManagement/types"/>
+    <ds:schemaRef ds:uri="http://schemas.microsoft.com/office/infopath/2007/PartnerControls"/>
+    <ds:schemaRef ds:uri="http://schemas.openxmlformats.org/package/2006/metadata/core-properties"/>
+    <ds:schemaRef ds:uri="http://purl.org/dc/elements/1.1/"/>
+    <ds:schemaRef ds:uri="http://purl.org/dc/terms/"/>
+    <ds:schemaRef ds:uri="http://schemas.microsoft.com/internal/obd"/>
   </ds:schemaRefs>
 </ds:datastoreItem>
 </file>
